--- a/Presentation material/Bygg og Deploy APP.pptx
+++ b/Presentation material/Bygg og Deploy APP.pptx
@@ -5,7 +5,7 @@
     <p:sldMasterId id="2147483648" r:id="rId4"/>
   </p:sldMasterIdLst>
   <p:notesMasterIdLst>
-    <p:notesMasterId r:id="rId22"/>
+    <p:notesMasterId r:id="rId23"/>
   </p:notesMasterIdLst>
   <p:sldIdLst>
     <p:sldId id="256" r:id="rId5"/>
@@ -23,8 +23,9 @@
     <p:sldId id="267" r:id="rId17"/>
     <p:sldId id="273" r:id="rId18"/>
     <p:sldId id="274" r:id="rId19"/>
-    <p:sldId id="275" r:id="rId20"/>
-    <p:sldId id="276" r:id="rId21"/>
+    <p:sldId id="277" r:id="rId20"/>
+    <p:sldId id="275" r:id="rId21"/>
+    <p:sldId id="276" r:id="rId22"/>
   </p:sldIdLst>
   <p:sldSz cx="12192000" cy="6858000"/>
   <p:notesSz cx="6858000" cy="9144000"/>
@@ -6390,7 +6391,7 @@
             </a:pPr>
             <a:r>
               <a:rPr lang="en-US" dirty="0"/>
-              <a:t>Demonstrate</a:t>
+              <a:t>Show in GitHub</a:t>
             </a:r>
           </a:p>
           <a:p>
@@ -6400,7 +6401,98 @@
             </a:pPr>
             <a:r>
               <a:rPr lang="en-US" dirty="0"/>
-              <a:t>New feature branch</a:t>
+              <a:t>View of build and deploy and explain adding a job</a:t>
+            </a:r>
+          </a:p>
+        </p:txBody>
+      </p:sp>
+      <p:sp>
+        <p:nvSpPr>
+          <p:cNvPr id="4" name="Slide Number Placeholder 3"/>
+          <p:cNvSpPr>
+            <a:spLocks noGrp="1"/>
+          </p:cNvSpPr>
+          <p:nvPr>
+            <p:ph type="sldNum" sz="quarter" idx="5"/>
+          </p:nvPr>
+        </p:nvSpPr>
+        <p:spPr/>
+        <p:txBody>
+          <a:bodyPr/>
+          <a:lstStyle/>
+          <a:p>
+            <a:fld id="{9778E0F8-0F4F-4133-AB17-43107DBECF7F}" type="slidenum">
+              <a:rPr lang="sv-SE" smtClean="0"/>
+              <a:t>16</a:t>
+            </a:fld>
+            <a:endParaRPr lang="sv-SE"/>
+          </a:p>
+        </p:txBody>
+      </p:sp>
+    </p:spTree>
+    <p:extLst>
+      <p:ext uri="{BB962C8B-B14F-4D97-AF65-F5344CB8AC3E}">
+        <p14:creationId xmlns:p14="http://schemas.microsoft.com/office/powerpoint/2010/main" val="312092818"/>
+      </p:ext>
+    </p:extLst>
+  </p:cSld>
+  <p:clrMapOvr>
+    <a:masterClrMapping/>
+  </p:clrMapOvr>
+</p:notes>
+</file>
+
+<file path=ppt/notesSlides/notesSlide12.xml><?xml version="1.0" encoding="utf-8"?>
+<p:notes xmlns:a="http://schemas.openxmlformats.org/drawingml/2006/main" xmlns:r="http://schemas.openxmlformats.org/officeDocument/2006/relationships" xmlns:p="http://schemas.openxmlformats.org/presentationml/2006/main">
+  <p:cSld>
+    <p:spTree>
+      <p:nvGrpSpPr>
+        <p:cNvPr id="1" name=""/>
+        <p:cNvGrpSpPr/>
+        <p:nvPr/>
+      </p:nvGrpSpPr>
+      <p:grpSpPr>
+        <a:xfrm>
+          <a:off x="0" y="0"/>
+          <a:ext cx="0" cy="0"/>
+          <a:chOff x="0" y="0"/>
+          <a:chExt cx="0" cy="0"/>
+        </a:xfrm>
+      </p:grpSpPr>
+      <p:sp>
+        <p:nvSpPr>
+          <p:cNvPr id="2" name="Slide Image Placeholder 1"/>
+          <p:cNvSpPr>
+            <a:spLocks noGrp="1" noRot="1" noChangeAspect="1"/>
+          </p:cNvSpPr>
+          <p:nvPr>
+            <p:ph type="sldImg"/>
+          </p:nvPr>
+        </p:nvSpPr>
+        <p:spPr/>
+      </p:sp>
+      <p:sp>
+        <p:nvSpPr>
+          <p:cNvPr id="3" name="Notes Placeholder 2"/>
+          <p:cNvSpPr>
+            <a:spLocks noGrp="1"/>
+          </p:cNvSpPr>
+          <p:nvPr>
+            <p:ph type="body" idx="1"/>
+          </p:nvPr>
+        </p:nvSpPr>
+        <p:spPr/>
+        <p:txBody>
+          <a:bodyPr/>
+          <a:lstStyle/>
+          <a:p>
+            <a:pPr marL="171450" indent="-171450">
+              <a:buFont typeface="Arial" panose="020B0604020202020204" pitchFamily="34" charset="0"/>
+              <a:buChar char="•"/>
+            </a:pPr>
+            <a:r>
+              <a:rPr lang="en-US" dirty="0"/>
+              <a:t>Demonstrate</a:t>
             </a:r>
           </a:p>
           <a:p>
@@ -6410,7 +6502,7 @@
             </a:pPr>
             <a:r>
               <a:rPr lang="en-US" dirty="0"/>
-              <a:t>New PR</a:t>
+              <a:t>New feature branch</a:t>
             </a:r>
           </a:p>
           <a:p>
@@ -6420,7 +6512,7 @@
             </a:pPr>
             <a:r>
               <a:rPr lang="en-US" dirty="0"/>
-              <a:t>Observe build</a:t>
+              <a:t>New PR</a:t>
             </a:r>
           </a:p>
           <a:p>
@@ -6430,7 +6522,7 @@
             </a:pPr>
             <a:r>
               <a:rPr lang="en-US" dirty="0"/>
-              <a:t>Talk through the workflow</a:t>
+              <a:t>Observe build</a:t>
             </a:r>
           </a:p>
           <a:p>
@@ -6440,6 +6532,16 @@
             </a:pPr>
             <a:r>
               <a:rPr lang="en-US" dirty="0"/>
+              <a:t>Talk through the workflow</a:t>
+            </a:r>
+          </a:p>
+          <a:p>
+            <a:pPr marL="628650" lvl="1" indent="-171450">
+              <a:buFont typeface="Arial" panose="020B0604020202020204" pitchFamily="34" charset="0"/>
+              <a:buChar char="•"/>
+            </a:pPr>
+            <a:r>
+              <a:rPr lang="en-US" dirty="0"/>
               <a:t>Show branch protection rules</a:t>
             </a:r>
           </a:p>
@@ -6482,7 +6584,7 @@
           <a:p>
             <a:fld id="{9778E0F8-0F4F-4133-AB17-43107DBECF7F}" type="slidenum">
               <a:rPr lang="sv-SE" smtClean="0"/>
-              <a:t>16</a:t>
+              <a:t>17</a:t>
             </a:fld>
             <a:endParaRPr lang="sv-SE"/>
           </a:p>
@@ -24206,7 +24308,7 @@
           <p:cNvPr id="7" name="Content Placeholder 6">
             <a:extLst>
               <a:ext uri="{FF2B5EF4-FFF2-40B4-BE49-F238E27FC236}">
-                <a16:creationId xmlns:a16="http://schemas.microsoft.com/office/drawing/2014/main" id="{B58C27D0-A4B9-69FE-6761-BF941B805C21}"/>
+                <a16:creationId xmlns:a16="http://schemas.microsoft.com/office/drawing/2014/main" id="{F429022B-212F-6BD8-4737-55433E2215A8}"/>
               </a:ext>
             </a:extLst>
           </p:cNvPr>
@@ -24224,39 +24326,20 @@
           <a:p>
             <a:r>
               <a:rPr lang="en-US" dirty="0"/>
-              <a:t>Branch policy</a:t>
-            </a:r>
-          </a:p>
-          <a:p>
-            <a:pPr lvl="1"/>
+              <a:t>Multiple deploy jobs</a:t>
+            </a:r>
+          </a:p>
+          <a:p>
             <a:r>
               <a:rPr lang="en-US" dirty="0"/>
-              <a:t>Don’t push directly to main</a:t>
-            </a:r>
-          </a:p>
-          <a:p>
-            <a:pPr lvl="1"/>
+              <a:t>Different App configuration and secrets</a:t>
+            </a:r>
+          </a:p>
+          <a:p>
             <a:r>
               <a:rPr lang="en-US" dirty="0"/>
-              <a:t>Require PR</a:t>
-            </a:r>
-          </a:p>
-          <a:p>
-            <a:pPr lvl="1"/>
-            <a:r>
-              <a:rPr lang="en-US" dirty="0"/>
-              <a:t>Require reviewer approvement</a:t>
-            </a:r>
-          </a:p>
-          <a:p>
-            <a:pPr lvl="1"/>
-            <a:r>
-              <a:rPr lang="en-US" dirty="0"/>
-              <a:t>Require build and tests to succeed</a:t>
-            </a:r>
-          </a:p>
-          <a:p>
-            <a:endParaRPr lang="en-US" dirty="0"/>
+              <a:t>Approval on job start for each environment</a:t>
+            </a:r>
           </a:p>
         </p:txBody>
       </p:sp>
@@ -24265,7 +24348,7 @@
           <p:cNvPr id="8" name="Subtitle 7">
             <a:extLst>
               <a:ext uri="{FF2B5EF4-FFF2-40B4-BE49-F238E27FC236}">
-                <a16:creationId xmlns:a16="http://schemas.microsoft.com/office/drawing/2014/main" id="{61CDA455-D4AA-42BF-29DF-4BA3577FF47C}"/>
+                <a16:creationId xmlns:a16="http://schemas.microsoft.com/office/drawing/2014/main" id="{915F35EB-091F-24F0-7EFB-32551D3F9C8A}"/>
               </a:ext>
             </a:extLst>
           </p:cNvPr>
@@ -24283,7 +24366,7 @@
           <a:p>
             <a:r>
               <a:rPr lang="en-US" dirty="0"/>
-              <a:t>Pull requests</a:t>
+              <a:t>Environments</a:t>
             </a:r>
           </a:p>
         </p:txBody>
@@ -24293,7 +24376,7 @@
           <p:cNvPr id="6" name="Title 5">
             <a:extLst>
               <a:ext uri="{FF2B5EF4-FFF2-40B4-BE49-F238E27FC236}">
-                <a16:creationId xmlns:a16="http://schemas.microsoft.com/office/drawing/2014/main" id="{B6C961DE-3E94-06D6-7550-B6C191DE1152}"/>
+                <a16:creationId xmlns:a16="http://schemas.microsoft.com/office/drawing/2014/main" id="{4664F50F-50AA-4ADB-6B10-7B193C4E3758}"/>
               </a:ext>
             </a:extLst>
           </p:cNvPr>
@@ -24311,7 +24394,7 @@
           <a:p>
             <a:r>
               <a:rPr lang="en-US" dirty="0"/>
-              <a:t>PR validation</a:t>
+              <a:t>Multiple environments</a:t>
             </a:r>
           </a:p>
         </p:txBody>
@@ -24321,7 +24404,7 @@
           <p:cNvPr id="3" name="Footer Placeholder 2">
             <a:extLst>
               <a:ext uri="{FF2B5EF4-FFF2-40B4-BE49-F238E27FC236}">
-                <a16:creationId xmlns:a16="http://schemas.microsoft.com/office/drawing/2014/main" id="{93E49281-73B1-B3E6-E7E7-329C818CB9BA}"/>
+                <a16:creationId xmlns:a16="http://schemas.microsoft.com/office/drawing/2014/main" id="{47DC10AA-F51C-C468-EF45-6435DCBFEBEC}"/>
               </a:ext>
             </a:extLst>
           </p:cNvPr>
@@ -24338,18 +24421,9 @@
           <a:lstStyle/>
           <a:p>
             <a:r>
-              <a:rPr lang="sv-SE" dirty="0" err="1"/>
-              <a:t>Build</a:t>
-            </a:r>
-            <a:r>
-              <a:rPr lang="sv-SE" dirty="0"/>
-              <a:t> and </a:t>
-            </a:r>
-            <a:r>
-              <a:rPr lang="sv-SE" dirty="0" err="1"/>
-              <a:t>deploy</a:t>
-            </a:r>
-            <a:endParaRPr lang="sv-SE" dirty="0"/>
+              <a:rPr lang="sv-SE"/>
+              <a:t>Namn på presentationen</a:t>
+            </a:r>
           </a:p>
         </p:txBody>
       </p:sp>
@@ -24358,7 +24432,7 @@
           <p:cNvPr id="4" name="Slide Number Placeholder 3">
             <a:extLst>
               <a:ext uri="{FF2B5EF4-FFF2-40B4-BE49-F238E27FC236}">
-                <a16:creationId xmlns:a16="http://schemas.microsoft.com/office/drawing/2014/main" id="{AE0E2563-153F-512B-1484-BB5932D0FAAF}"/>
+                <a16:creationId xmlns:a16="http://schemas.microsoft.com/office/drawing/2014/main" id="{F3A84457-DA2E-DB3F-048D-98B6104A9441}"/>
               </a:ext>
             </a:extLst>
           </p:cNvPr>
@@ -24386,7 +24460,7 @@
     </p:spTree>
     <p:extLst>
       <p:ext uri="{BB962C8B-B14F-4D97-AF65-F5344CB8AC3E}">
-        <p14:creationId xmlns:p14="http://schemas.microsoft.com/office/powerpoint/2010/main" val="4249186643"/>
+        <p14:creationId xmlns:p14="http://schemas.microsoft.com/office/powerpoint/2010/main" val="4182190946"/>
       </p:ext>
     </p:extLst>
   </p:cSld>
@@ -24415,10 +24489,10 @@
       </p:grpSpPr>
       <p:sp>
         <p:nvSpPr>
-          <p:cNvPr id="7" name="Title 6">
-            <a:extLst>
-              <a:ext uri="{FF2B5EF4-FFF2-40B4-BE49-F238E27FC236}">
-                <a16:creationId xmlns:a16="http://schemas.microsoft.com/office/drawing/2014/main" id="{7C6694EB-31D5-0121-E083-67D2034C1BA6}"/>
+          <p:cNvPr id="7" name="Content Placeholder 6">
+            <a:extLst>
+              <a:ext uri="{FF2B5EF4-FFF2-40B4-BE49-F238E27FC236}">
+                <a16:creationId xmlns:a16="http://schemas.microsoft.com/office/drawing/2014/main" id="{B58C27D0-A4B9-69FE-6761-BF941B805C21}"/>
               </a:ext>
             </a:extLst>
           </p:cNvPr>
@@ -24426,7 +24500,7 @@
             <a:spLocks noGrp="1"/>
           </p:cNvSpPr>
           <p:nvPr>
-            <p:ph type="title"/>
+            <p:ph sz="half" idx="1"/>
           </p:nvPr>
         </p:nvSpPr>
         <p:spPr/>
@@ -24436,24 +24510,48 @@
           <a:p>
             <a:r>
               <a:rPr lang="en-US" dirty="0"/>
-              <a:t>We are done</a:t>
-            </a:r>
-            <a:br>
+              <a:t>Branch policy</a:t>
+            </a:r>
+          </a:p>
+          <a:p>
+            <a:pPr lvl="1"/>
+            <a:r>
               <a:rPr lang="en-US" dirty="0"/>
-            </a:br>
+              <a:t>Don’t push directly to main</a:t>
+            </a:r>
+          </a:p>
+          <a:p>
+            <a:pPr lvl="1"/>
             <a:r>
               <a:rPr lang="en-US" dirty="0"/>
-              <a:t>Keep on learning!</a:t>
-            </a:r>
+              <a:t>Require PR</a:t>
+            </a:r>
+          </a:p>
+          <a:p>
+            <a:pPr lvl="1"/>
+            <a:r>
+              <a:rPr lang="en-US" dirty="0"/>
+              <a:t>Require reviewer approvement</a:t>
+            </a:r>
+          </a:p>
+          <a:p>
+            <a:pPr lvl="1"/>
+            <a:r>
+              <a:rPr lang="en-US" dirty="0"/>
+              <a:t>Require build and tests to succeed</a:t>
+            </a:r>
+          </a:p>
+          <a:p>
+            <a:endParaRPr lang="en-US" dirty="0"/>
           </a:p>
         </p:txBody>
       </p:sp>
       <p:sp>
         <p:nvSpPr>
-          <p:cNvPr id="5" name="Footer Placeholder 4">
-            <a:extLst>
-              <a:ext uri="{FF2B5EF4-FFF2-40B4-BE49-F238E27FC236}">
-                <a16:creationId xmlns:a16="http://schemas.microsoft.com/office/drawing/2014/main" id="{822E6FDC-FAB9-FACE-8B7E-D245677B20DF}"/>
+          <p:cNvPr id="8" name="Subtitle 7">
+            <a:extLst>
+              <a:ext uri="{FF2B5EF4-FFF2-40B4-BE49-F238E27FC236}">
+                <a16:creationId xmlns:a16="http://schemas.microsoft.com/office/drawing/2014/main" id="{61CDA455-D4AA-42BF-29DF-4BA3577FF47C}"/>
               </a:ext>
             </a:extLst>
           </p:cNvPr>
@@ -24461,7 +24559,7 @@
             <a:spLocks noGrp="1"/>
           </p:cNvSpPr>
           <p:nvPr>
-            <p:ph type="ftr" sz="quarter" idx="10"/>
+            <p:ph type="subTitle" idx="16"/>
           </p:nvPr>
         </p:nvSpPr>
         <p:spPr/>
@@ -24470,27 +24568,18 @@
           <a:lstStyle/>
           <a:p>
             <a:r>
-              <a:rPr lang="sv-SE" dirty="0" err="1"/>
-              <a:t>Build</a:t>
-            </a:r>
-            <a:r>
-              <a:rPr lang="sv-SE" dirty="0"/>
-              <a:t> and </a:t>
-            </a:r>
-            <a:r>
-              <a:rPr lang="sv-SE" dirty="0" err="1"/>
-              <a:t>deploy</a:t>
-            </a:r>
-            <a:endParaRPr lang="sv-SE" dirty="0"/>
+              <a:rPr lang="en-US" dirty="0"/>
+              <a:t>Pull requests</a:t>
+            </a:r>
           </a:p>
         </p:txBody>
       </p:sp>
       <p:sp>
         <p:nvSpPr>
-          <p:cNvPr id="6" name="Slide Number Placeholder 5">
-            <a:extLst>
-              <a:ext uri="{FF2B5EF4-FFF2-40B4-BE49-F238E27FC236}">
-                <a16:creationId xmlns:a16="http://schemas.microsoft.com/office/drawing/2014/main" id="{C4CCDD1C-691B-3594-D7F2-C87AB5B284DC}"/>
+          <p:cNvPr id="6" name="Title 5">
+            <a:extLst>
+              <a:ext uri="{FF2B5EF4-FFF2-40B4-BE49-F238E27FC236}">
+                <a16:creationId xmlns:a16="http://schemas.microsoft.com/office/drawing/2014/main" id="{B6C961DE-3E94-06D6-7550-B6C191DE1152}"/>
               </a:ext>
             </a:extLst>
           </p:cNvPr>
@@ -24498,7 +24587,7 @@
             <a:spLocks noGrp="1"/>
           </p:cNvSpPr>
           <p:nvPr>
-            <p:ph type="sldNum" sz="quarter" idx="11"/>
+            <p:ph type="title"/>
           </p:nvPr>
         </p:nvSpPr>
         <p:spPr/>
@@ -24506,10 +24595,207 @@
           <a:bodyPr/>
           <a:lstStyle/>
           <a:p>
+            <a:r>
+              <a:rPr lang="en-US" dirty="0"/>
+              <a:t>PR validation</a:t>
+            </a:r>
+          </a:p>
+        </p:txBody>
+      </p:sp>
+      <p:sp>
+        <p:nvSpPr>
+          <p:cNvPr id="3" name="Footer Placeholder 2">
+            <a:extLst>
+              <a:ext uri="{FF2B5EF4-FFF2-40B4-BE49-F238E27FC236}">
+                <a16:creationId xmlns:a16="http://schemas.microsoft.com/office/drawing/2014/main" id="{93E49281-73B1-B3E6-E7E7-329C818CB9BA}"/>
+              </a:ext>
+            </a:extLst>
+          </p:cNvPr>
+          <p:cNvSpPr>
+            <a:spLocks noGrp="1"/>
+          </p:cNvSpPr>
+          <p:nvPr>
+            <p:ph type="ftr" sz="quarter" idx="17"/>
+          </p:nvPr>
+        </p:nvSpPr>
+        <p:spPr/>
+        <p:txBody>
+          <a:bodyPr/>
+          <a:lstStyle/>
+          <a:p>
+            <a:r>
+              <a:rPr lang="sv-SE" dirty="0" err="1"/>
+              <a:t>Build</a:t>
+            </a:r>
+            <a:r>
+              <a:rPr lang="sv-SE" dirty="0"/>
+              <a:t> and </a:t>
+            </a:r>
+            <a:r>
+              <a:rPr lang="sv-SE" dirty="0" err="1"/>
+              <a:t>deploy</a:t>
+            </a:r>
+            <a:endParaRPr lang="sv-SE" dirty="0"/>
+          </a:p>
+        </p:txBody>
+      </p:sp>
+      <p:sp>
+        <p:nvSpPr>
+          <p:cNvPr id="4" name="Slide Number Placeholder 3">
+            <a:extLst>
+              <a:ext uri="{FF2B5EF4-FFF2-40B4-BE49-F238E27FC236}">
+                <a16:creationId xmlns:a16="http://schemas.microsoft.com/office/drawing/2014/main" id="{AE0E2563-153F-512B-1484-BB5932D0FAAF}"/>
+              </a:ext>
+            </a:extLst>
+          </p:cNvPr>
+          <p:cNvSpPr>
+            <a:spLocks noGrp="1"/>
+          </p:cNvSpPr>
+          <p:nvPr>
+            <p:ph type="sldNum" sz="quarter" idx="18"/>
+          </p:nvPr>
+        </p:nvSpPr>
+        <p:spPr/>
+        <p:txBody>
+          <a:bodyPr/>
+          <a:lstStyle/>
+          <a:p>
             <a:fld id="{89578386-84DA-45F9-ABB1-FE09AA2697D8}" type="slidenum">
               <a:rPr lang="sv-SE" smtClean="0"/>
               <a:pPr/>
               <a:t>17</a:t>
+            </a:fld>
+            <a:endParaRPr lang="sv-SE"/>
+          </a:p>
+        </p:txBody>
+      </p:sp>
+    </p:spTree>
+    <p:extLst>
+      <p:ext uri="{BB962C8B-B14F-4D97-AF65-F5344CB8AC3E}">
+        <p14:creationId xmlns:p14="http://schemas.microsoft.com/office/powerpoint/2010/main" val="4249186643"/>
+      </p:ext>
+    </p:extLst>
+  </p:cSld>
+  <p:clrMapOvr>
+    <a:masterClrMapping/>
+  </p:clrMapOvr>
+</p:sld>
+</file>
+
+<file path=ppt/slides/slide18.xml><?xml version="1.0" encoding="utf-8"?>
+<p:sld xmlns:a="http://schemas.openxmlformats.org/drawingml/2006/main" xmlns:r="http://schemas.openxmlformats.org/officeDocument/2006/relationships" xmlns:p="http://schemas.openxmlformats.org/presentationml/2006/main">
+  <p:cSld>
+    <p:spTree>
+      <p:nvGrpSpPr>
+        <p:cNvPr id="1" name=""/>
+        <p:cNvGrpSpPr/>
+        <p:nvPr/>
+      </p:nvGrpSpPr>
+      <p:grpSpPr>
+        <a:xfrm>
+          <a:off x="0" y="0"/>
+          <a:ext cx="0" cy="0"/>
+          <a:chOff x="0" y="0"/>
+          <a:chExt cx="0" cy="0"/>
+        </a:xfrm>
+      </p:grpSpPr>
+      <p:sp>
+        <p:nvSpPr>
+          <p:cNvPr id="7" name="Title 6">
+            <a:extLst>
+              <a:ext uri="{FF2B5EF4-FFF2-40B4-BE49-F238E27FC236}">
+                <a16:creationId xmlns:a16="http://schemas.microsoft.com/office/drawing/2014/main" id="{7C6694EB-31D5-0121-E083-67D2034C1BA6}"/>
+              </a:ext>
+            </a:extLst>
+          </p:cNvPr>
+          <p:cNvSpPr>
+            <a:spLocks noGrp="1"/>
+          </p:cNvSpPr>
+          <p:nvPr>
+            <p:ph type="title"/>
+          </p:nvPr>
+        </p:nvSpPr>
+        <p:spPr/>
+        <p:txBody>
+          <a:bodyPr/>
+          <a:lstStyle/>
+          <a:p>
+            <a:r>
+              <a:rPr lang="en-US" dirty="0"/>
+              <a:t>We are done</a:t>
+            </a:r>
+            <a:br>
+              <a:rPr lang="en-US" dirty="0"/>
+            </a:br>
+            <a:r>
+              <a:rPr lang="en-US" dirty="0"/>
+              <a:t>Keep on learning!</a:t>
+            </a:r>
+          </a:p>
+        </p:txBody>
+      </p:sp>
+      <p:sp>
+        <p:nvSpPr>
+          <p:cNvPr id="5" name="Footer Placeholder 4">
+            <a:extLst>
+              <a:ext uri="{FF2B5EF4-FFF2-40B4-BE49-F238E27FC236}">
+                <a16:creationId xmlns:a16="http://schemas.microsoft.com/office/drawing/2014/main" id="{822E6FDC-FAB9-FACE-8B7E-D245677B20DF}"/>
+              </a:ext>
+            </a:extLst>
+          </p:cNvPr>
+          <p:cNvSpPr>
+            <a:spLocks noGrp="1"/>
+          </p:cNvSpPr>
+          <p:nvPr>
+            <p:ph type="ftr" sz="quarter" idx="10"/>
+          </p:nvPr>
+        </p:nvSpPr>
+        <p:spPr/>
+        <p:txBody>
+          <a:bodyPr/>
+          <a:lstStyle/>
+          <a:p>
+            <a:r>
+              <a:rPr lang="sv-SE" dirty="0" err="1"/>
+              <a:t>Build</a:t>
+            </a:r>
+            <a:r>
+              <a:rPr lang="sv-SE" dirty="0"/>
+              <a:t> and </a:t>
+            </a:r>
+            <a:r>
+              <a:rPr lang="sv-SE" dirty="0" err="1"/>
+              <a:t>deploy</a:t>
+            </a:r>
+            <a:endParaRPr lang="sv-SE" dirty="0"/>
+          </a:p>
+        </p:txBody>
+      </p:sp>
+      <p:sp>
+        <p:nvSpPr>
+          <p:cNvPr id="6" name="Slide Number Placeholder 5">
+            <a:extLst>
+              <a:ext uri="{FF2B5EF4-FFF2-40B4-BE49-F238E27FC236}">
+                <a16:creationId xmlns:a16="http://schemas.microsoft.com/office/drawing/2014/main" id="{C4CCDD1C-691B-3594-D7F2-C87AB5B284DC}"/>
+              </a:ext>
+            </a:extLst>
+          </p:cNvPr>
+          <p:cNvSpPr>
+            <a:spLocks noGrp="1"/>
+          </p:cNvSpPr>
+          <p:nvPr>
+            <p:ph type="sldNum" sz="quarter" idx="11"/>
+          </p:nvPr>
+        </p:nvSpPr>
+        <p:spPr/>
+        <p:txBody>
+          <a:bodyPr/>
+          <a:lstStyle/>
+          <a:p>
+            <a:fld id="{89578386-84DA-45F9-ABB1-FE09AA2697D8}" type="slidenum">
+              <a:rPr lang="sv-SE" smtClean="0"/>
+              <a:pPr/>
+              <a:t>18</a:t>
             </a:fld>
             <a:endParaRPr lang="sv-SE"/>
           </a:p>
@@ -26975,26 +27261,6 @@
 </file>
 
 <file path=customXml/item1.xml><?xml version="1.0" encoding="utf-8"?>
-<p:properties xmlns:p="http://schemas.microsoft.com/office/2006/metadata/properties" xmlns:xsi="http://www.w3.org/2001/XMLSchema-instance" xmlns:pc="http://schemas.microsoft.com/office/infopath/2007/PartnerControls">
-  <documentManagement>
-    <TaxCatchAll xmlns="bffe39aa-d507-463c-bcbf-aa8534762466" xsi:nil="true"/>
-    <lcf76f155ced4ddcb4097134ff3c332f xmlns="3271377c-1ead-4ce7-988f-a57cc4b626d4">
-      <Terms xmlns="http://schemas.microsoft.com/office/infopath/2007/PartnerControls"/>
-    </lcf76f155ced4ddcb4097134ff3c332f>
-  </documentManagement>
-</p:properties>
-</file>
-
-<file path=customXml/item2.xml><?xml version="1.0" encoding="utf-8"?>
-<?mso-contentType ?>
-<FormTemplates xmlns="http://schemas.microsoft.com/sharepoint/v3/contenttype/forms">
-  <Display>DocumentLibraryForm</Display>
-  <Edit>DocumentLibraryForm</Edit>
-  <New>DocumentLibraryForm</New>
-</FormTemplates>
-</file>
-
-<file path=customXml/item3.xml><?xml version="1.0" encoding="utf-8"?>
 <ct:contentTypeSchema xmlns:ct="http://schemas.microsoft.com/office/2006/metadata/contentType" xmlns:ma="http://schemas.microsoft.com/office/2006/metadata/properties/metaAttributes" ct:_="" ma:_="" ma:contentTypeName="Document" ma:contentTypeID="0x010100D67801E138CB8349A8EFB781B70A66CF" ma:contentTypeVersion="14" ma:contentTypeDescription="Create a new document." ma:contentTypeScope="" ma:versionID="c93afcc059a797d24affe2670f083bce">
   <xsd:schema xmlns:xsd="http://www.w3.org/2001/XMLSchema" xmlns:xs="http://www.w3.org/2001/XMLSchema" xmlns:p="http://schemas.microsoft.com/office/2006/metadata/properties" xmlns:ns2="3271377c-1ead-4ce7-988f-a57cc4b626d4" xmlns:ns3="bffe39aa-d507-463c-bcbf-aa8534762466" targetNamespace="http://schemas.microsoft.com/office/2006/metadata/properties" ma:root="true" ma:fieldsID="d4a8fac2847666cc42731b1adc3d96b8" ns2:_="" ns3:_="">
     <xsd:import namespace="3271377c-1ead-4ce7-988f-a57cc4b626d4"/>
@@ -27223,26 +27489,27 @@
 </ct:contentTypeSchema>
 </file>
 
-<file path=customXml/itemProps1.xml><?xml version="1.0" encoding="utf-8"?>
-<ds:datastoreItem xmlns:ds="http://schemas.openxmlformats.org/officeDocument/2006/customXml" ds:itemID="{5C56C71D-643B-4E04-9A6A-F76847701330}">
-  <ds:schemaRefs>
-    <ds:schemaRef ds:uri="http://schemas.microsoft.com/office/2006/metadata/properties"/>
-    <ds:schemaRef ds:uri="http://schemas.microsoft.com/office/infopath/2007/PartnerControls"/>
-    <ds:schemaRef ds:uri="bffe39aa-d507-463c-bcbf-aa8534762466"/>
-    <ds:schemaRef ds:uri="3271377c-1ead-4ce7-988f-a57cc4b626d4"/>
-  </ds:schemaRefs>
-</ds:datastoreItem>
+<file path=customXml/item2.xml><?xml version="1.0" encoding="utf-8"?>
+<?mso-contentType ?>
+<FormTemplates xmlns="http://schemas.microsoft.com/sharepoint/v3/contenttype/forms">
+  <Display>DocumentLibraryForm</Display>
+  <Edit>DocumentLibraryForm</Edit>
+  <New>DocumentLibraryForm</New>
+</FormTemplates>
 </file>
 
-<file path=customXml/itemProps2.xml><?xml version="1.0" encoding="utf-8"?>
-<ds:datastoreItem xmlns:ds="http://schemas.openxmlformats.org/officeDocument/2006/customXml" ds:itemID="{DE89EAE4-F0DF-4056-A4B5-87C04EEE6F62}">
-  <ds:schemaRefs>
-    <ds:schemaRef ds:uri="http://schemas.microsoft.com/sharepoint/v3/contenttype/forms"/>
-  </ds:schemaRefs>
-</ds:datastoreItem>
+<file path=customXml/item3.xml><?xml version="1.0" encoding="utf-8"?>
+<p:properties xmlns:p="http://schemas.microsoft.com/office/2006/metadata/properties" xmlns:xsi="http://www.w3.org/2001/XMLSchema-instance" xmlns:pc="http://schemas.microsoft.com/office/infopath/2007/PartnerControls">
+  <documentManagement>
+    <TaxCatchAll xmlns="bffe39aa-d507-463c-bcbf-aa8534762466" xsi:nil="true"/>
+    <lcf76f155ced4ddcb4097134ff3c332f xmlns="3271377c-1ead-4ce7-988f-a57cc4b626d4">
+      <Terms xmlns="http://schemas.microsoft.com/office/infopath/2007/PartnerControls"/>
+    </lcf76f155ced4ddcb4097134ff3c332f>
+  </documentManagement>
+</p:properties>
 </file>
 
-<file path=customXml/itemProps3.xml><?xml version="1.0" encoding="utf-8"?>
+<file path=customXml/itemProps1.xml><?xml version="1.0" encoding="utf-8"?>
 <ds:datastoreItem xmlns:ds="http://schemas.openxmlformats.org/officeDocument/2006/customXml" ds:itemID="{BB732F31-4FDA-44FD-9542-761DD7A1BFC1}">
   <ds:schemaRefs>
     <ds:schemaRef ds:uri="http://schemas.microsoft.com/office/2006/metadata/contentType"/>
@@ -27259,4 +27526,23 @@
     <ds:schemaRef ds:uri="http://schemas.microsoft.com/internal/obd"/>
   </ds:schemaRefs>
 </ds:datastoreItem>
+</file>
+
+<file path=customXml/itemProps2.xml><?xml version="1.0" encoding="utf-8"?>
+<ds:datastoreItem xmlns:ds="http://schemas.openxmlformats.org/officeDocument/2006/customXml" ds:itemID="{DE89EAE4-F0DF-4056-A4B5-87C04EEE6F62}">
+  <ds:schemaRefs>
+    <ds:schemaRef ds:uri="http://schemas.microsoft.com/sharepoint/v3/contenttype/forms"/>
+  </ds:schemaRefs>
+</ds:datastoreItem>
+</file>
+
+<file path=customXml/itemProps3.xml><?xml version="1.0" encoding="utf-8"?>
+<ds:datastoreItem xmlns:ds="http://schemas.openxmlformats.org/officeDocument/2006/customXml" ds:itemID="{5C56C71D-643B-4E04-9A6A-F76847701330}">
+  <ds:schemaRefs>
+    <ds:schemaRef ds:uri="http://schemas.microsoft.com/office/2006/metadata/properties"/>
+    <ds:schemaRef ds:uri="http://schemas.microsoft.com/office/infopath/2007/PartnerControls"/>
+    <ds:schemaRef ds:uri="bffe39aa-d507-463c-bcbf-aa8534762466"/>
+    <ds:schemaRef ds:uri="3271377c-1ead-4ce7-988f-a57cc4b626d4"/>
+  </ds:schemaRefs>
+</ds:datastoreItem>
 </file>